--- a/PresentaciónStarkey DM.pptx
+++ b/PresentaciónStarkey DM.pptx
@@ -3870,23 +3870,7 @@
                   <a:schemeClr val="tx1"/>
                 </a:solidFill>
               </a:rPr>
-              <a:t>Daniel </a:t>
-            </a:r>
-            <a:r>
-              <a:rPr lang="es-PE" sz="2000" dirty="0" smtClean="0">
-                <a:solidFill>
-                  <a:schemeClr val="tx1"/>
-                </a:solidFill>
-              </a:rPr>
-              <a:t>Geray </a:t>
-            </a:r>
-            <a:r>
-              <a:rPr lang="es-PE" sz="2000" dirty="0" smtClean="0">
-                <a:solidFill>
-                  <a:schemeClr val="tx1"/>
-                </a:solidFill>
-              </a:rPr>
-              <a:t>Montjoy Pita</a:t>
+              <a:t>Daniel Geray Montjoy Pita</a:t>
             </a:r>
           </a:p>
           <a:p>
@@ -4016,11 +4000,7 @@
             <a:pPr algn="ctr"/>
             <a:r>
               <a:rPr lang="en-US" sz="1200" i="1" dirty="0" smtClean="0"/>
-              <a:t>“</a:t>
-            </a:r>
-            <a:r>
-              <a:rPr lang="en-US" sz="1200" i="1" dirty="0" smtClean="0"/>
-              <a:t>Unless </a:t>
+              <a:t>“Unless </a:t>
             </a:r>
             <a:r>
               <a:rPr lang="en-US" sz="1200" i="1" dirty="0"/>
@@ -4212,14 +4192,14 @@
           <p:nvPr>
             <p:extLst>
               <p:ext uri="{D42A27DB-BD31-4B8C-83A1-F6EECF244321}">
-                <p14:modId xmlns:p14="http://schemas.microsoft.com/office/powerpoint/2010/main" val="1127570320"/>
+                <p14:modId xmlns:p14="http://schemas.microsoft.com/office/powerpoint/2010/main" val="753652736"/>
               </p:ext>
             </p:extLst>
           </p:nvPr>
         </p:nvGraphicFramePr>
         <p:xfrm>
-          <a:off x="467544" y="2139702"/>
-          <a:ext cx="8352928" cy="2376264"/>
+          <a:off x="107504" y="2067694"/>
+          <a:ext cx="5328592" cy="2448273"/>
         </p:xfrm>
         <a:graphic>
           <a:graphicData uri="http://schemas.openxmlformats.org/drawingml/2006/table">
@@ -4228,9 +4208,9 @@
                 <a:tableStyleId>{5C22544A-7EE6-4342-B048-85BDC9FD1C3A}</a:tableStyleId>
               </a:tblPr>
               <a:tblGrid>
-                <a:gridCol w="8352928"/>
+                <a:gridCol w="5328592"/>
               </a:tblGrid>
-              <a:tr h="792088">
+              <a:tr h="816091">
                 <a:tc>
                   <a:txBody>
                     <a:bodyPr/>
@@ -4241,7 +4221,13 @@
                         <a:rPr lang="es-PE" sz="2000" b="0" u="none" strike="noStrike" dirty="0">
                           <a:effectLst/>
                         </a:rPr>
-                        <a:t>Disminución de los impactos ambientales causados por actividades de la empresa.</a:t>
+                        <a:t>Disminución de los impactos ambientales causados por </a:t>
+                      </a:r>
+                      <a:r>
+                        <a:rPr lang="es-PE" sz="2000" b="0" u="none" strike="noStrike" dirty="0" smtClean="0">
+                          <a:effectLst/>
+                        </a:rPr>
+                        <a:t>las actividades.</a:t>
                       </a:r>
                       <a:endParaRPr lang="es-PE" sz="2000" b="0" i="0" u="none" strike="noStrike" dirty="0">
                         <a:solidFill>
@@ -4255,7 +4241,7 @@
                   <a:tcPr marL="9525" marR="9525" marT="9525" marB="0" anchor="ctr"/>
                 </a:tc>
               </a:tr>
-              <a:tr h="648072">
+              <a:tr h="667711">
                 <a:tc>
                   <a:txBody>
                     <a:bodyPr/>
@@ -4266,7 +4252,13 @@
                         <a:rPr lang="es-PE" sz="2000" b="0" u="none" strike="noStrike" dirty="0">
                           <a:effectLst/>
                         </a:rPr>
-                        <a:t>Promover y mantener la adopción de la responsabilidad social y ambiental de una manera amplia.</a:t>
+                        <a:t>Promover y mantener la adopción de la responsabilidad social y </a:t>
+                      </a:r>
+                      <a:r>
+                        <a:rPr lang="es-PE" sz="2000" b="0" u="none" strike="noStrike" dirty="0" smtClean="0">
+                          <a:effectLst/>
+                        </a:rPr>
+                        <a:t>ambiental.</a:t>
                       </a:r>
                       <a:endParaRPr lang="es-PE" sz="2000" b="0" i="0" u="none" strike="noStrike" dirty="0">
                         <a:solidFill>
@@ -4280,7 +4272,7 @@
                   <a:tcPr marL="9525" marR="9525" marT="9525" marB="0" anchor="ctr"/>
                 </a:tc>
               </a:tr>
-              <a:tr h="936104">
+              <a:tr h="964471">
                 <a:tc>
                   <a:txBody>
                     <a:bodyPr/>
@@ -4291,13 +4283,25 @@
                         <a:rPr lang="es-PE" sz="2000" b="0" u="none" strike="noStrike" dirty="0">
                           <a:effectLst/>
                         </a:rPr>
-                        <a:t>Participar en forma proactiva en campañas de ayuda educativas o de despistaje en el </a:t>
+                        <a:t>Participar en forma proactiva en </a:t>
                       </a:r>
                       <a:r>
                         <a:rPr lang="es-PE" sz="2000" b="0" u="none" strike="noStrike" dirty="0" smtClean="0">
                           <a:effectLst/>
                         </a:rPr>
-                        <a:t>Perú.</a:t>
+                        <a:t>campañas educativas </a:t>
+                      </a:r>
+                      <a:r>
+                        <a:rPr lang="es-PE" sz="2000" b="0" u="none" strike="noStrike" dirty="0">
+                          <a:effectLst/>
+                        </a:rPr>
+                        <a:t>o de </a:t>
+                      </a:r>
+                      <a:r>
+                        <a:rPr lang="es-PE" sz="2000" b="0" u="none" strike="noStrike" dirty="0" smtClean="0">
+                          <a:effectLst/>
+                        </a:rPr>
+                        <a:t>despistaje.</a:t>
                       </a:r>
                       <a:endParaRPr lang="es-PE" sz="2000" b="0" i="0" u="none" strike="noStrike" dirty="0">
                         <a:solidFill>
@@ -4315,6 +4319,122 @@
           </a:graphicData>
         </a:graphic>
       </p:graphicFrame>
+      <p:sp>
+        <p:nvSpPr>
+          <p:cNvPr id="7" name="6 CuadroTexto"/>
+          <p:cNvSpPr txBox="1"/>
+          <p:nvPr/>
+        </p:nvSpPr>
+        <p:spPr>
+          <a:xfrm>
+            <a:off x="5502830" y="2110993"/>
+            <a:ext cx="3672408" cy="1631216"/>
+          </a:xfrm>
+          <a:prstGeom prst="rect">
+            <a:avLst/>
+          </a:prstGeom>
+          <a:solidFill>
+            <a:schemeClr val="accent3">
+              <a:lumMod val="40000"/>
+              <a:lumOff val="60000"/>
+            </a:schemeClr>
+          </a:solidFill>
+        </p:spPr>
+        <p:txBody>
+          <a:bodyPr wrap="square" rtlCol="0">
+            <a:spAutoFit/>
+          </a:bodyPr>
+          <a:lstStyle/>
+          <a:p>
+            <a:pPr algn="ctr"/>
+            <a:r>
+              <a:rPr lang="es-PE" sz="2000" b="1" dirty="0" smtClean="0"/>
+              <a:t>Triple impacto </a:t>
+            </a:r>
+          </a:p>
+          <a:p>
+            <a:pPr algn="ctr"/>
+            <a:r>
+              <a:rPr lang="es-PE" sz="2000" dirty="0"/>
+              <a:t>E</a:t>
+            </a:r>
+            <a:r>
+              <a:rPr lang="es-PE" sz="2000" dirty="0" smtClean="0"/>
+              <a:t>conómico</a:t>
+            </a:r>
+            <a:r>
+              <a:rPr lang="es-PE" sz="2000" dirty="0"/>
+              <a:t>, social y </a:t>
+            </a:r>
+            <a:r>
+              <a:rPr lang="es-PE" sz="2000" dirty="0" smtClean="0"/>
+              <a:t>ambiental. </a:t>
+            </a:r>
+            <a:endParaRPr lang="es-PE" sz="2000" dirty="0"/>
+          </a:p>
+          <a:p>
+            <a:pPr algn="ctr"/>
+            <a:endParaRPr lang="es-PE" sz="2000" dirty="0" smtClean="0"/>
+          </a:p>
+          <a:p>
+            <a:pPr algn="ctr"/>
+            <a:r>
+              <a:rPr lang="es-PE" sz="2000" dirty="0" smtClean="0"/>
+              <a:t>Incorporar </a:t>
+            </a:r>
+            <a:r>
+              <a:rPr lang="es-PE" sz="2000" dirty="0"/>
+              <a:t>a su cultura el principio de </a:t>
+            </a:r>
+            <a:r>
+              <a:rPr lang="es-PE" sz="2000" b="1" dirty="0"/>
+              <a:t>valor compartido</a:t>
+            </a:r>
+            <a:endParaRPr lang="es-PE" sz="2000" b="1" dirty="0" smtClean="0"/>
+          </a:p>
+        </p:txBody>
+      </p:sp>
+      <p:pic>
+        <p:nvPicPr>
+          <p:cNvPr id="1026" name="Picture 2" descr="Resultado de imagen para triple impacto"/>
+          <p:cNvPicPr>
+            <a:picLocks noChangeAspect="1" noChangeArrowheads="1"/>
+          </p:cNvPicPr>
+          <p:nvPr/>
+        </p:nvPicPr>
+        <p:blipFill>
+          <a:blip r:embed="rId2" cstate="print">
+            <a:extLst>
+              <a:ext uri="{28A0092B-C50C-407E-A947-70E740481C1C}">
+                <a14:useLocalDpi xmlns:a14="http://schemas.microsoft.com/office/drawing/2010/main" val="0"/>
+              </a:ext>
+            </a:extLst>
+          </a:blip>
+          <a:srcRect/>
+          <a:stretch>
+            <a:fillRect/>
+          </a:stretch>
+        </p:blipFill>
+        <p:spPr bwMode="auto">
+          <a:xfrm>
+            <a:off x="7740352" y="3814139"/>
+            <a:ext cx="1224136" cy="1222819"/>
+          </a:xfrm>
+          <a:prstGeom prst="rect">
+            <a:avLst/>
+          </a:prstGeom>
+          <a:noFill/>
+          <a:extLst>
+            <a:ext uri="{909E8E84-426E-40DD-AFC4-6F175D3DCCD1}">
+              <a14:hiddenFill xmlns:a14="http://schemas.microsoft.com/office/drawing/2010/main">
+                <a:solidFill>
+                  <a:srgbClr val="FFFFFF"/>
+                </a:solidFill>
+              </a14:hiddenFill>
+            </a:ext>
+          </a:extLst>
+        </p:spPr>
+      </p:pic>
     </p:spTree>
     <p:extLst>
       <p:ext uri="{BB962C8B-B14F-4D97-AF65-F5344CB8AC3E}">
@@ -4449,6 +4569,50 @@
           </a:extLst>
         </p:spPr>
       </p:pic>
+      <p:sp>
+        <p:nvSpPr>
+          <p:cNvPr id="3" name="2 Rectángulo"/>
+          <p:cNvSpPr/>
+          <p:nvPr/>
+        </p:nvSpPr>
+        <p:spPr>
+          <a:xfrm>
+            <a:off x="7906518" y="915565"/>
+            <a:ext cx="481906" cy="4106651"/>
+          </a:xfrm>
+          <a:prstGeom prst="rect">
+            <a:avLst/>
+          </a:prstGeom>
+        </p:spPr>
+        <p:style>
+          <a:lnRef idx="2">
+            <a:schemeClr val="accent3">
+              <a:shade val="50000"/>
+            </a:schemeClr>
+          </a:lnRef>
+          <a:fillRef idx="1">
+            <a:schemeClr val="accent3"/>
+          </a:fillRef>
+          <a:effectRef idx="0">
+            <a:schemeClr val="accent3"/>
+          </a:effectRef>
+          <a:fontRef idx="minor">
+            <a:schemeClr val="lt1"/>
+          </a:fontRef>
+        </p:style>
+        <p:txBody>
+          <a:bodyPr vert="vert" rtlCol="0" anchor="ctr"/>
+          <a:lstStyle/>
+          <a:p>
+            <a:pPr algn="ctr"/>
+            <a:r>
+              <a:rPr lang="es-PE" dirty="0" smtClean="0"/>
+              <a:t>Responsabilidad Social</a:t>
+            </a:r>
+            <a:endParaRPr lang="es-PE" dirty="0"/>
+          </a:p>
+        </p:txBody>
+      </p:sp>
     </p:spTree>
     <p:extLst>
       <p:ext uri="{BB962C8B-B14F-4D97-AF65-F5344CB8AC3E}">
@@ -7171,7 +7335,7 @@
         </p:nvSpPr>
         <p:spPr>
           <a:xfrm>
-            <a:off x="0" y="3048167"/>
+            <a:off x="-6288" y="3255915"/>
             <a:ext cx="2015207" cy="677108"/>
           </a:xfrm>
           <a:prstGeom prst="rect">
@@ -7216,7 +7380,7 @@
         </p:nvSpPr>
         <p:spPr>
           <a:xfrm>
-            <a:off x="2051720" y="3063555"/>
+            <a:off x="2045432" y="3271303"/>
             <a:ext cx="2304256" cy="646331"/>
           </a:xfrm>
           <a:prstGeom prst="rect">
@@ -7260,7 +7424,7 @@
         </p:nvSpPr>
         <p:spPr>
           <a:xfrm>
-            <a:off x="4427984" y="3054960"/>
+            <a:off x="4421696" y="3262708"/>
             <a:ext cx="2448272" cy="1461939"/>
           </a:xfrm>
           <a:prstGeom prst="rect">
@@ -7339,7 +7503,7 @@
         </p:nvSpPr>
         <p:spPr>
           <a:xfrm>
-            <a:off x="6948264" y="3054960"/>
+            <a:off x="6941976" y="3262708"/>
             <a:ext cx="2181002" cy="1877437"/>
           </a:xfrm>
           <a:prstGeom prst="rect">
@@ -7404,20 +7568,48 @@
                   <a:schemeClr val="bg1"/>
                 </a:solidFill>
               </a:rPr>
-              <a:t>de </a:t>
-            </a:r>
-            <a:r>
-              <a:rPr lang="es-PE" sz="2400" b="1" dirty="0" smtClean="0">
-                <a:solidFill>
-                  <a:schemeClr val="bg1"/>
-                </a:solidFill>
-              </a:rPr>
-              <a:t>mercado</a:t>
-            </a:r>
-            <a:r>
-              <a:rPr lang="es-PE" sz="2400" b="1" dirty="0" smtClean="0"/>
-              <a:t>. </a:t>
-            </a:r>
+              <a:t>de mercado. </a:t>
+            </a:r>
+          </a:p>
+        </p:txBody>
+      </p:sp>
+      <p:sp>
+        <p:nvSpPr>
+          <p:cNvPr id="3" name="2 Flecha derecha"/>
+          <p:cNvSpPr/>
+          <p:nvPr/>
+        </p:nvSpPr>
+        <p:spPr>
+          <a:xfrm>
+            <a:off x="65212" y="3003798"/>
+            <a:ext cx="9018564" cy="252117"/>
+          </a:xfrm>
+          <a:prstGeom prst="rightArrow">
+            <a:avLst/>
+          </a:prstGeom>
+        </p:spPr>
+        <p:style>
+          <a:lnRef idx="2">
+            <a:schemeClr val="accent3">
+              <a:shade val="50000"/>
+            </a:schemeClr>
+          </a:lnRef>
+          <a:fillRef idx="1">
+            <a:schemeClr val="accent3"/>
+          </a:fillRef>
+          <a:effectRef idx="0">
+            <a:schemeClr val="accent3"/>
+          </a:effectRef>
+          <a:fontRef idx="minor">
+            <a:schemeClr val="lt1"/>
+          </a:fontRef>
+        </p:style>
+        <p:txBody>
+          <a:bodyPr rtlCol="0" anchor="ctr"/>
+          <a:lstStyle/>
+          <a:p>
+            <a:pPr algn="ctr"/>
+            <a:endParaRPr lang="es-PE"/>
           </a:p>
         </p:txBody>
       </p:sp>
@@ -7497,7 +7689,7 @@
         </p:nvGraphicFramePr>
         <p:xfrm>
           <a:off x="5148064" y="1059583"/>
-          <a:ext cx="3870176" cy="3594799"/>
+          <a:ext cx="3870176" cy="3741484"/>
         </p:xfrm>
         <a:graphic>
           <a:graphicData uri="http://schemas.openxmlformats.org/drawingml/2006/table">
@@ -8313,14 +8505,14 @@
           <p:nvPr>
             <p:extLst>
               <p:ext uri="{D42A27DB-BD31-4B8C-83A1-F6EECF244321}">
-                <p14:modId xmlns:p14="http://schemas.microsoft.com/office/powerpoint/2010/main" val="3684121042"/>
+                <p14:modId xmlns:p14="http://schemas.microsoft.com/office/powerpoint/2010/main" val="2169894228"/>
               </p:ext>
             </p:extLst>
           </p:nvPr>
         </p:nvGraphicFramePr>
         <p:xfrm>
-          <a:off x="395536" y="1851671"/>
-          <a:ext cx="7920880" cy="2818611"/>
+          <a:off x="1475656" y="1923678"/>
+          <a:ext cx="6552728" cy="2376263"/>
         </p:xfrm>
         <a:graphic>
           <a:graphicData uri="http://schemas.openxmlformats.org/drawingml/2006/table">
@@ -8329,7 +8521,7 @@
                 <a:tableStyleId>{5C22544A-7EE6-4342-B048-85BDC9FD1C3A}</a:tableStyleId>
               </a:tblPr>
               <a:tblGrid>
-                <a:gridCol w="7920880"/>
+                <a:gridCol w="6552728"/>
               </a:tblGrid>
               <a:tr h="309579">
                 <a:tc>
@@ -8362,7 +8554,7 @@
                   <a:tcPr marL="9525" marR="9525" marT="9525" marB="0" anchor="ctr"/>
                 </a:tc>
               </a:tr>
-              <a:tr h="411708">
+              <a:tr h="405754">
                 <a:tc>
                   <a:txBody>
                     <a:bodyPr/>
@@ -8393,7 +8585,7 @@
                   <a:tcPr marL="9525" marR="9525" marT="9525" marB="0" anchor="ctr"/>
                 </a:tc>
               </a:tr>
-              <a:tr h="514356">
+              <a:tr h="432048">
                 <a:tc>
                   <a:txBody>
                     <a:bodyPr/>
@@ -8424,7 +8616,7 @@
                   <a:tcPr marL="9525" marR="9525" marT="9525" marB="0" anchor="ctr"/>
                 </a:tc>
               </a:tr>
-              <a:tr h="514356">
+              <a:tr h="504056">
                 <a:tc>
                   <a:txBody>
                     <a:bodyPr/>
@@ -8455,7 +8647,7 @@
                   <a:tcPr marL="9525" marR="9525" marT="9525" marB="0" anchor="ctr"/>
                 </a:tc>
               </a:tr>
-              <a:tr h="549510">
+              <a:tr h="360040">
                 <a:tc>
                   <a:txBody>
                     <a:bodyPr/>
@@ -8486,7 +8678,7 @@
                   <a:tcPr marL="9525" marR="9525" marT="9525" marB="0" anchor="ctr"/>
                 </a:tc>
               </a:tr>
-              <a:tr h="514356">
+              <a:tr h="360040">
                 <a:tc>
                   <a:txBody>
                     <a:bodyPr/>
